--- a/Web-Application/Mid-term Presentation/Mid-term presentation.pptx
+++ b/Web-Application/Mid-term Presentation/Mid-term presentation.pptx
@@ -589,7 +589,7 @@
           <a:p>
             <a:fld id="{EA0C0817-A112-4847-8014-A94B7D2A4EA3}" type="datetime1">
               <a:rPr lang="en-US" smtClean="0"/>
-              <a:t>3/28/20</a:t>
+              <a:t>3/28/2020</a:t>
             </a:fld>
             <a:endParaRPr lang="en-US" dirty="0"/>
           </a:p>
@@ -791,7 +791,7 @@
           <a:p>
             <a:fld id="{134F40B7-36AB-4376-BE14-EF7004D79BB9}" type="datetime1">
               <a:rPr lang="en-US" smtClean="0"/>
-              <a:t>3/28/20</a:t>
+              <a:t>3/28/2020</a:t>
             </a:fld>
             <a:endParaRPr lang="en-US"/>
           </a:p>
@@ -971,7 +971,7 @@
           <a:p>
             <a:fld id="{FF87CAB8-DCAE-46A5-AADA-B3FAD11A54E0}" type="datetime1">
               <a:rPr lang="en-US" smtClean="0"/>
-              <a:t>3/28/20</a:t>
+              <a:t>3/28/2020</a:t>
             </a:fld>
             <a:endParaRPr lang="en-US"/>
           </a:p>
@@ -1141,7 +1141,7 @@
           <a:p>
             <a:fld id="{7332B432-ACDA-4023-A761-2BAB76577B62}" type="datetime1">
               <a:rPr lang="en-US" smtClean="0"/>
-              <a:t>3/28/20</a:t>
+              <a:t>3/28/2020</a:t>
             </a:fld>
             <a:endParaRPr lang="en-US"/>
           </a:p>
@@ -1740,7 +1740,7 @@
           <a:p>
             <a:fld id="{D9C646AA-F36E-4540-911D-FFFC0A0EF24A}" type="datetime1">
               <a:rPr lang="en-US" smtClean="0"/>
-              <a:t>3/28/20</a:t>
+              <a:t>3/28/2020</a:t>
             </a:fld>
             <a:endParaRPr lang="en-US" dirty="0"/>
           </a:p>
@@ -2060,7 +2060,7 @@
           <a:p>
             <a:fld id="{69186D26-FA5F-4637-B602-B7C2DC34CFD4}" type="datetime1">
               <a:rPr lang="en-US" smtClean="0"/>
-              <a:t>3/28/20</a:t>
+              <a:t>3/28/2020</a:t>
             </a:fld>
             <a:endParaRPr lang="en-US"/>
           </a:p>
@@ -2495,7 +2495,7 @@
           <a:p>
             <a:fld id="{8A7F15D8-96D1-4781-BC50-CA8A088B2FE4}" type="datetime1">
               <a:rPr lang="en-US" smtClean="0"/>
-              <a:t>3/28/20</a:t>
+              <a:t>3/28/2020</a:t>
             </a:fld>
             <a:endParaRPr lang="en-US"/>
           </a:p>
@@ -2613,7 +2613,7 @@
           <a:p>
             <a:fld id="{F9A96C99-B8F8-4528-BD05-0E16E943DC09}" type="datetime1">
               <a:rPr lang="en-US" smtClean="0"/>
-              <a:t>3/28/20</a:t>
+              <a:t>3/28/2020</a:t>
             </a:fld>
             <a:endParaRPr lang="en-US"/>
           </a:p>
@@ -2708,7 +2708,7 @@
           <a:p>
             <a:fld id="{03636942-C211-4B28-8DBD-C953E00AF71B}" type="datetime1">
               <a:rPr lang="en-US" smtClean="0"/>
-              <a:t>3/28/20</a:t>
+              <a:t>3/28/2020</a:t>
             </a:fld>
             <a:endParaRPr lang="en-US"/>
           </a:p>
@@ -3125,7 +3125,7 @@
           <a:p>
             <a:fld id="{7E8D12A6-918A-48BD-8CB9-CA713993B0EA}" type="datetime1">
               <a:rPr lang="en-US" smtClean="0"/>
-              <a:t>3/28/20</a:t>
+              <a:t>3/28/2020</a:t>
             </a:fld>
             <a:endParaRPr lang="en-US"/>
           </a:p>
@@ -3387,7 +3387,7 @@
             <a:fld id="{E778CE86-875F-4587-BCF6-FA054AFC0D53}" type="datetime1">
               <a:rPr lang="en-US" smtClean="0"/>
               <a:pPr/>
-              <a:t>3/28/20</a:t>
+              <a:t>3/28/2020</a:t>
             </a:fld>
             <a:endParaRPr lang="en-US" dirty="0"/>
           </a:p>
@@ -3903,7 +3903,7 @@
           <a:p>
             <a:fld id="{F6FA2B21-3FCD-4721-B95C-427943F61125}" type="datetime1">
               <a:rPr lang="en-US" smtClean="0"/>
-              <a:t>3/28/20</a:t>
+              <a:t>3/28/2020</a:t>
             </a:fld>
             <a:endParaRPr lang="en-US"/>
           </a:p>
@@ -4991,7 +4991,7 @@
             </a:pPr>
             <a:r>
               <a:rPr kumimoji="1" lang="en-US" altLang="zh-CN" dirty="0"/>
-              <a:t>   We only use close price as the stock price trend</a:t>
+              <a:t>   I only use close price as the stock price trend</a:t>
             </a:r>
           </a:p>
         </p:txBody>
@@ -5055,8 +5055,8 @@
           </a:p>
         </p:txBody>
       </p:sp>
-      <mc:AlternateContent xmlns:mc="http://schemas.openxmlformats.org/markup-compatibility/2006">
-        <mc:Choice xmlns:a14="http://schemas.microsoft.com/office/drawing/2010/main" Requires="a14">
+      <mc:AlternateContent xmlns:mc="http://schemas.openxmlformats.org/markup-compatibility/2006" xmlns:a14="http://schemas.microsoft.com/office/drawing/2010/main">
+        <mc:Choice Requires="a14">
           <p:sp>
             <p:nvSpPr>
               <p:cNvPr id="3" name="内容占位符 2">
@@ -5632,7 +5632,7 @@
             </p:txBody>
           </p:sp>
         </mc:Choice>
-        <mc:Fallback>
+        <mc:Fallback xmlns="">
           <p:sp>
             <p:nvSpPr>
               <p:cNvPr id="3" name="内容占位符 2">
@@ -6081,7 +6081,7 @@
           <a:p>
             <a:r>
               <a:rPr kumimoji="1" lang="en-US" altLang="zh-CN" sz="2100" dirty="0"/>
-              <a:t>On the progress of getting the max posterior distribution of Bayesian curve fitting, I found out the loss function of it respects to w is a regularity expression, which means we the Bayesian will naturally prevent overfitting by that regularity function.</a:t>
+              <a:t>On the progress of getting the max posterior distribution of Bayesian curve fitting, I found out the loss function of it respects to w is a regularity expression, which means the Bayesian will naturally prevent overfitting by that regularity function.</a:t>
             </a:r>
           </a:p>
           <a:p>
@@ -6345,7 +6345,7 @@
             </a:r>
             <a:r>
               <a:rPr lang="en-US" altLang="zh-CN" dirty="0"/>
-              <a:t>Coefficient of determination (closer to 1, bet fitted)</a:t>
+              <a:t>Coefficient of determination (closer to 1, better fitted)</a:t>
             </a:r>
           </a:p>
           <a:p>
